--- a/Project template for AI Agent case study (3).pptx
+++ b/Project template for AI Agent case study (3).pptx
@@ -4793,7 +4793,7 @@
           <a:p>
             <a:r>
               <a:rPr lang="en-IN" dirty="0"/>
-              <a:t>Make sure that there should be readme file</a:t>
+              <a:t>https://github.com/joydeep1007/IBM-Internship.git</a:t>
             </a:r>
           </a:p>
         </p:txBody>
@@ -7027,20 +7027,20 @@
 </file>
 
 <file path=customXml/item1.xml><?xml version="1.0" encoding="utf-8"?>
-<p:properties xmlns:p="http://schemas.microsoft.com/office/2006/metadata/properties" xmlns:xsi="http://www.w3.org/2001/XMLSchema-instance" xmlns:pc="http://schemas.microsoft.com/office/infopath/2007/PartnerControls">
-  <documentManagement>
-    <_activity xmlns="b30265f8-c5e2-4918-b4a1-b977299ca3e2" xsi:nil="true"/>
-  </documentManagement>
-</p:properties>
-</file>
-
-<file path=customXml/item2.xml><?xml version="1.0" encoding="utf-8"?>
 <?mso-contentType ?>
 <FormTemplates xmlns="http://schemas.microsoft.com/sharepoint/v3/contenttype/forms">
   <Display>DocumentLibraryForm</Display>
   <Edit>DocumentLibraryForm</Edit>
   <New>DocumentLibraryForm</New>
 </FormTemplates>
+</file>
+
+<file path=customXml/item2.xml><?xml version="1.0" encoding="utf-8"?>
+<p:properties xmlns:p="http://schemas.microsoft.com/office/2006/metadata/properties" xmlns:xsi="http://www.w3.org/2001/XMLSchema-instance" xmlns:pc="http://schemas.microsoft.com/office/infopath/2007/PartnerControls">
+  <documentManagement>
+    <_activity xmlns="b30265f8-c5e2-4918-b4a1-b977299ca3e2" xsi:nil="true"/>
+  </documentManagement>
+</p:properties>
 </file>
 
 <file path=customXml/item3.xml><?xml version="1.0" encoding="utf-8"?>
@@ -7277,6 +7277,14 @@
 </file>
 
 <file path=customXml/itemProps1.xml><?xml version="1.0" encoding="utf-8"?>
+<ds:datastoreItem xmlns:ds="http://schemas.openxmlformats.org/officeDocument/2006/customXml" ds:itemID="{927BD4C1-B6B1-4715-ABF9-E660A51A4EA0}">
+  <ds:schemaRefs>
+    <ds:schemaRef ds:uri="http://schemas.microsoft.com/sharepoint/v3/contenttype/forms"/>
+  </ds:schemaRefs>
+</ds:datastoreItem>
+</file>
+
+<file path=customXml/itemProps2.xml><?xml version="1.0" encoding="utf-8"?>
 <ds:datastoreItem xmlns:ds="http://schemas.openxmlformats.org/officeDocument/2006/customXml" ds:itemID="{8D289AE2-D2AE-49D1-AFAC-3A79F6794255}">
   <ds:schemaRefs>
     <ds:schemaRef ds:uri="http://purl.org/dc/elements/1.1/"/>
@@ -7289,14 +7297,6 @@
     <ds:schemaRef ds:uri="http://schemas.microsoft.com/office/2006/documentManagement/types"/>
     <ds:schemaRef ds:uri="http://schemas.microsoft.com/office/infopath/2007/PartnerControls"/>
     <ds:schemaRef ds:uri="http://www.w3.org/XML/1998/namespace"/>
-  </ds:schemaRefs>
-</ds:datastoreItem>
-</file>
-
-<file path=customXml/itemProps2.xml><?xml version="1.0" encoding="utf-8"?>
-<ds:datastoreItem xmlns:ds="http://schemas.openxmlformats.org/officeDocument/2006/customXml" ds:itemID="{927BD4C1-B6B1-4715-ABF9-E660A51A4EA0}">
-  <ds:schemaRefs>
-    <ds:schemaRef ds:uri="http://schemas.microsoft.com/sharepoint/v3/contenttype/forms"/>
   </ds:schemaRefs>
 </ds:datastoreItem>
 </file>
